--- a/papers/report 1 6.pptx
+++ b/papers/report 1 6.pptx
@@ -14,8 +14,8 @@
     <p:sldId id="290" r:id="rId8"/>
     <p:sldId id="321" r:id="rId9"/>
     <p:sldId id="322" r:id="rId10"/>
-    <p:sldId id="323" r:id="rId11"/>
-    <p:sldId id="324" r:id="rId12"/>
+    <p:sldId id="324" r:id="rId11"/>
+    <p:sldId id="323" r:id="rId12"/>
     <p:sldId id="325" r:id="rId13"/>
     <p:sldId id="274" r:id="rId14"/>
   </p:sldIdLst>
@@ -2568,17 +2568,7 @@
                 <a:latin typeface="Adobe Garamond Pro" charset="0"/>
                 <a:ea typeface="宋体" panose="02010600030101010101" pitchFamily="2" charset="-122"/>
               </a:rPr>
-              <a:t>1/6 </a:t>
-            </a:r>
-            <a:r>
-              <a:rPr lang="en-US" altLang="zh-CN" sz="3600" dirty="0" smtClean="0">
-                <a:solidFill>
-                  <a:schemeClr val="bg1"/>
-                </a:solidFill>
-                <a:latin typeface="Adobe Garamond Pro" charset="0"/>
-                <a:ea typeface="宋体" panose="02010600030101010101" pitchFamily="2" charset="-122"/>
-              </a:rPr>
-              <a:t>Report</a:t>
+              <a:t>1/6 Report</a:t>
             </a:r>
           </a:p>
           <a:p>
@@ -2632,99 +2622,16 @@
           <a:chExt cx="0" cy="0"/>
         </a:xfrm>
       </p:grpSpPr>
-      <p:sp>
-        <p:nvSpPr>
-          <p:cNvPr id="3098" name="文本框 3097"/>
-          <p:cNvSpPr txBox="1"/>
-          <p:nvPr/>
-        </p:nvSpPr>
-        <p:spPr>
-          <a:xfrm>
-            <a:off x="1043608" y="692696"/>
-            <a:ext cx="6491927" cy="1938992"/>
-          </a:xfrm>
-          <a:prstGeom prst="rect">
-            <a:avLst/>
-          </a:prstGeom>
-          <a:noFill/>
-        </p:spPr>
-        <p:txBody>
-          <a:bodyPr wrap="square" rtlCol="0">
-            <a:spAutoFit/>
-          </a:bodyPr>
-          <a:lstStyle/>
-          <a:p>
-            <a:r>
-              <a:rPr lang="en-US" dirty="0" smtClean="0"/>
-              <a:t>SVM</a:t>
-            </a:r>
-          </a:p>
-          <a:p>
-            <a:r>
-              <a:rPr lang="en-US" dirty="0" smtClean="0"/>
-              <a:t>(Support </a:t>
-            </a:r>
-            <a:r>
-              <a:rPr lang="en-US" dirty="0"/>
-              <a:t>Vector Machine</a:t>
-            </a:r>
-            <a:r>
-              <a:rPr lang="en-US" dirty="0" smtClean="0"/>
-              <a:t>)</a:t>
-            </a:r>
-          </a:p>
-          <a:p>
-            <a:r>
-              <a:rPr lang="en-US" dirty="0" smtClean="0"/>
-              <a:t>Without kernel</a:t>
-            </a:r>
-          </a:p>
-          <a:p>
-            <a:r>
-              <a:rPr lang="en-US" dirty="0" smtClean="0"/>
-              <a:t>in python</a:t>
-            </a:r>
-            <a:endParaRPr lang="en-US" dirty="0"/>
-          </a:p>
-          <a:p>
-            <a:endParaRPr lang="en-US" dirty="0" smtClean="0"/>
-          </a:p>
-        </p:txBody>
-      </p:sp>
       <p:pic>
         <p:nvPicPr>
-          <p:cNvPr id="6" name="图片 5"/>
+          <p:cNvPr id="2" name="图片 1"/>
           <p:cNvPicPr>
             <a:picLocks noChangeAspect="1"/>
           </p:cNvPicPr>
           <p:nvPr/>
         </p:nvPicPr>
         <p:blipFill>
-          <a:blip r:embed="rId2"/>
-          <a:stretch>
-            <a:fillRect/>
-          </a:stretch>
-        </p:blipFill>
-        <p:spPr>
-          <a:xfrm>
-            <a:off x="5508104" y="4509120"/>
-            <a:ext cx="2667000" cy="600075"/>
-          </a:xfrm>
-          <a:prstGeom prst="rect">
-            <a:avLst/>
-          </a:prstGeom>
-        </p:spPr>
-      </p:pic>
-      <p:pic>
-        <p:nvPicPr>
-          <p:cNvPr id="18" name="图片 17"/>
-          <p:cNvPicPr>
-            <a:picLocks noChangeAspect="1"/>
-          </p:cNvPicPr>
-          <p:nvPr/>
-        </p:nvPicPr>
-        <p:blipFill>
-          <a:blip r:embed="rId3">
+          <a:blip r:embed="rId2">
             <a:extLst>
               <a:ext uri="{28A0092B-C50C-407E-A947-70E740481C1C}">
                 <a14:useLocalDpi xmlns:a14="http://schemas.microsoft.com/office/drawing/2010/main" val="0"/>
@@ -2737,32 +2644,91 @@
         </p:blipFill>
         <p:spPr>
           <a:xfrm>
-            <a:off x="539552" y="1850615"/>
-            <a:ext cx="4809735" cy="3607301"/>
+            <a:off x="827584" y="2420888"/>
+            <a:ext cx="4002847" cy="3002135"/>
           </a:xfrm>
           <a:prstGeom prst="rect">
             <a:avLst/>
           </a:prstGeom>
         </p:spPr>
       </p:pic>
+      <p:sp>
+        <p:nvSpPr>
+          <p:cNvPr id="7" name="文本框 6"/>
+          <p:cNvSpPr txBox="1"/>
+          <p:nvPr/>
+        </p:nvSpPr>
+        <p:spPr>
+          <a:xfrm>
+            <a:off x="1043608" y="692696"/>
+            <a:ext cx="6491927" cy="1938992"/>
+          </a:xfrm>
+          <a:prstGeom prst="rect">
+            <a:avLst/>
+          </a:prstGeom>
+          <a:noFill/>
+        </p:spPr>
+        <p:txBody>
+          <a:bodyPr wrap="square" rtlCol="0">
+            <a:spAutoFit/>
+          </a:bodyPr>
+          <a:lstStyle/>
+          <a:p>
+            <a:r>
+              <a:rPr lang="en-US" dirty="0" smtClean="0"/>
+              <a:t>SVM</a:t>
+            </a:r>
+          </a:p>
+          <a:p>
+            <a:r>
+              <a:rPr lang="en-US" dirty="0" smtClean="0"/>
+              <a:t>(Support </a:t>
+            </a:r>
+            <a:r>
+              <a:rPr lang="en-US" dirty="0"/>
+              <a:t>Vector Machine</a:t>
+            </a:r>
+            <a:r>
+              <a:rPr lang="en-US" dirty="0" smtClean="0"/>
+              <a:t>)</a:t>
+            </a:r>
+          </a:p>
+          <a:p>
+            <a:r>
+              <a:rPr lang="en-US" dirty="0" smtClean="0"/>
+              <a:t>Without kernel</a:t>
+            </a:r>
+          </a:p>
+          <a:p>
+            <a:r>
+              <a:rPr lang="en-US" dirty="0" smtClean="0"/>
+              <a:t>in python</a:t>
+            </a:r>
+            <a:endParaRPr lang="en-US" dirty="0"/>
+          </a:p>
+          <a:p>
+            <a:endParaRPr lang="en-US" dirty="0" smtClean="0"/>
+          </a:p>
+        </p:txBody>
+      </p:sp>
       <p:pic>
         <p:nvPicPr>
-          <p:cNvPr id="32" name="图片 31"/>
+          <p:cNvPr id="3" name="图片 2"/>
           <p:cNvPicPr>
             <a:picLocks noChangeAspect="1"/>
           </p:cNvPicPr>
           <p:nvPr/>
         </p:nvPicPr>
         <p:blipFill>
-          <a:blip r:embed="rId4"/>
+          <a:blip r:embed="rId3"/>
           <a:stretch>
             <a:fillRect/>
           </a:stretch>
         </p:blipFill>
         <p:spPr>
           <a:xfrm>
-            <a:off x="5328062" y="836712"/>
-            <a:ext cx="2628217" cy="2327721"/>
+            <a:off x="5325544" y="4509120"/>
+            <a:ext cx="2800350" cy="590550"/>
           </a:xfrm>
           <a:prstGeom prst="rect">
             <a:avLst/>
@@ -2772,7 +2738,7 @@
     </p:spTree>
     <p:extLst>
       <p:ext uri="{BB962C8B-B14F-4D97-AF65-F5344CB8AC3E}">
-        <p14:creationId xmlns:p14="http://schemas.microsoft.com/office/powerpoint/2010/main" val="1619428518"/>
+        <p14:creationId xmlns:p14="http://schemas.microsoft.com/office/powerpoint/2010/main" val="2078213962"/>
       </p:ext>
     </p:extLst>
   </p:cSld>
@@ -2806,9 +2772,68 @@
           <a:chExt cx="0" cy="0"/>
         </a:xfrm>
       </p:grpSpPr>
+      <p:sp>
+        <p:nvSpPr>
+          <p:cNvPr id="3098" name="文本框 3097"/>
+          <p:cNvSpPr txBox="1"/>
+          <p:nvPr/>
+        </p:nvSpPr>
+        <p:spPr>
+          <a:xfrm>
+            <a:off x="1043608" y="692696"/>
+            <a:ext cx="6491927" cy="1938992"/>
+          </a:xfrm>
+          <a:prstGeom prst="rect">
+            <a:avLst/>
+          </a:prstGeom>
+          <a:noFill/>
+        </p:spPr>
+        <p:txBody>
+          <a:bodyPr wrap="square" rtlCol="0">
+            <a:spAutoFit/>
+          </a:bodyPr>
+          <a:lstStyle/>
+          <a:p>
+            <a:r>
+              <a:rPr lang="en-US" dirty="0" smtClean="0"/>
+              <a:t>SVM</a:t>
+            </a:r>
+          </a:p>
+          <a:p>
+            <a:r>
+              <a:rPr lang="en-US" dirty="0" smtClean="0"/>
+              <a:t>(Support </a:t>
+            </a:r>
+            <a:r>
+              <a:rPr lang="en-US" dirty="0"/>
+              <a:t>Vector Machine</a:t>
+            </a:r>
+            <a:r>
+              <a:rPr lang="en-US" dirty="0" smtClean="0"/>
+              <a:t>)</a:t>
+            </a:r>
+          </a:p>
+          <a:p>
+            <a:r>
+              <a:rPr lang="en-US" dirty="0" smtClean="0"/>
+              <a:t>Without kernel</a:t>
+            </a:r>
+          </a:p>
+          <a:p>
+            <a:r>
+              <a:rPr lang="en-US" dirty="0" smtClean="0"/>
+              <a:t>in python</a:t>
+            </a:r>
+            <a:endParaRPr lang="en-US" dirty="0"/>
+          </a:p>
+          <a:p>
+            <a:endParaRPr lang="en-US" dirty="0" smtClean="0"/>
+          </a:p>
+        </p:txBody>
+      </p:sp>
       <p:pic>
         <p:nvPicPr>
-          <p:cNvPr id="32" name="图片 31"/>
+          <p:cNvPr id="6" name="图片 5"/>
           <p:cNvPicPr>
             <a:picLocks noChangeAspect="1"/>
           </p:cNvPicPr>
@@ -2822,8 +2847,8 @@
         </p:blipFill>
         <p:spPr>
           <a:xfrm>
-            <a:off x="5328062" y="836712"/>
-            <a:ext cx="2628217" cy="2327721"/>
+            <a:off x="5508104" y="4509120"/>
+            <a:ext cx="2667000" cy="600075"/>
           </a:xfrm>
           <a:prstGeom prst="rect">
             <a:avLst/>
@@ -2832,7 +2857,7 @@
       </p:pic>
       <p:pic>
         <p:nvPicPr>
-          <p:cNvPr id="2" name="图片 1"/>
+          <p:cNvPr id="18" name="图片 17"/>
           <p:cNvPicPr>
             <a:picLocks noChangeAspect="1"/>
           </p:cNvPicPr>
@@ -2852,76 +2877,17 @@
         </p:blipFill>
         <p:spPr>
           <a:xfrm>
-            <a:off x="827584" y="2420888"/>
-            <a:ext cx="4002847" cy="3002135"/>
+            <a:off x="539552" y="1850615"/>
+            <a:ext cx="4809735" cy="3607301"/>
           </a:xfrm>
           <a:prstGeom prst="rect">
             <a:avLst/>
           </a:prstGeom>
         </p:spPr>
       </p:pic>
-      <p:sp>
-        <p:nvSpPr>
-          <p:cNvPr id="7" name="文本框 6"/>
-          <p:cNvSpPr txBox="1"/>
-          <p:nvPr/>
-        </p:nvSpPr>
-        <p:spPr>
-          <a:xfrm>
-            <a:off x="1043608" y="692696"/>
-            <a:ext cx="6491927" cy="1938992"/>
-          </a:xfrm>
-          <a:prstGeom prst="rect">
-            <a:avLst/>
-          </a:prstGeom>
-          <a:noFill/>
-        </p:spPr>
-        <p:txBody>
-          <a:bodyPr wrap="square" rtlCol="0">
-            <a:spAutoFit/>
-          </a:bodyPr>
-          <a:lstStyle/>
-          <a:p>
-            <a:r>
-              <a:rPr lang="en-US" dirty="0" smtClean="0"/>
-              <a:t>SVM</a:t>
-            </a:r>
-          </a:p>
-          <a:p>
-            <a:r>
-              <a:rPr lang="en-US" dirty="0" smtClean="0"/>
-              <a:t>(Support </a:t>
-            </a:r>
-            <a:r>
-              <a:rPr lang="en-US" dirty="0"/>
-              <a:t>Vector Machine</a:t>
-            </a:r>
-            <a:r>
-              <a:rPr lang="en-US" dirty="0" smtClean="0"/>
-              <a:t>)</a:t>
-            </a:r>
-          </a:p>
-          <a:p>
-            <a:r>
-              <a:rPr lang="en-US" dirty="0" smtClean="0"/>
-              <a:t>Without kernel</a:t>
-            </a:r>
-          </a:p>
-          <a:p>
-            <a:r>
-              <a:rPr lang="en-US" dirty="0" smtClean="0"/>
-              <a:t>in python</a:t>
-            </a:r>
-            <a:endParaRPr lang="en-US" dirty="0"/>
-          </a:p>
-          <a:p>
-            <a:endParaRPr lang="en-US" dirty="0" smtClean="0"/>
-          </a:p>
-        </p:txBody>
-      </p:sp>
       <p:pic>
         <p:nvPicPr>
-          <p:cNvPr id="3" name="图片 2"/>
+          <p:cNvPr id="32" name="图片 31"/>
           <p:cNvPicPr>
             <a:picLocks noChangeAspect="1"/>
           </p:cNvPicPr>
@@ -2935,8 +2901,8 @@
         </p:blipFill>
         <p:spPr>
           <a:xfrm>
-            <a:off x="5325544" y="4509120"/>
-            <a:ext cx="2800350" cy="590550"/>
+            <a:off x="5328062" y="836712"/>
+            <a:ext cx="2628217" cy="2327721"/>
           </a:xfrm>
           <a:prstGeom prst="rect">
             <a:avLst/>
@@ -2946,7 +2912,7 @@
     </p:spTree>
     <p:extLst>
       <p:ext uri="{BB962C8B-B14F-4D97-AF65-F5344CB8AC3E}">
-        <p14:creationId xmlns:p14="http://schemas.microsoft.com/office/powerpoint/2010/main" val="2078213962"/>
+        <p14:creationId xmlns:p14="http://schemas.microsoft.com/office/powerpoint/2010/main" val="1619428518"/>
       </p:ext>
     </p:extLst>
   </p:cSld>
@@ -3012,11 +2978,7 @@
             </a:r>
             <a:r>
               <a:rPr lang="en-US" dirty="0" smtClean="0"/>
-              <a:t>With kernel </a:t>
-            </a:r>
-            <a:r>
-              <a:rPr lang="en-US" dirty="0" smtClean="0"/>
-              <a:t>in python</a:t>
+              <a:t>With kernel in python</a:t>
             </a:r>
           </a:p>
           <a:p>
@@ -9101,16 +9063,6 @@
               </a:rPr>
               <a:t> set</a:t>
             </a:r>
-            <a:endParaRPr kumimoji="0" lang="en-US" sz="1100" b="0" i="0" u="none" strike="noStrike" cap="none" normalizeH="0" baseline="0" dirty="0" smtClean="0">
-              <a:ln>
-                <a:noFill/>
-              </a:ln>
-              <a:solidFill>
-                <a:schemeClr val="tx1"/>
-              </a:solidFill>
-              <a:effectLst/>
-              <a:latin typeface="Times" panose="02020603050405020304" pitchFamily="18" charset="0"/>
-            </a:endParaRPr>
           </a:p>
         </p:txBody>
       </p:sp>
@@ -9446,16 +9398,6 @@
               </a:rPr>
               <a:t>set</a:t>
             </a:r>
-            <a:endParaRPr kumimoji="0" lang="en-US" sz="1100" b="0" i="0" u="none" strike="noStrike" cap="none" normalizeH="0" baseline="0" dirty="0" smtClean="0">
-              <a:ln>
-                <a:noFill/>
-              </a:ln>
-              <a:solidFill>
-                <a:schemeClr val="tx1"/>
-              </a:solidFill>
-              <a:effectLst/>
-              <a:latin typeface="Times" panose="02020603050405020304" pitchFamily="18" charset="0"/>
-            </a:endParaRPr>
           </a:p>
         </p:txBody>
       </p:sp>
@@ -9622,7 +9564,6 @@
               <a:rPr lang="en-US" dirty="0" smtClean="0"/>
               <a:t>)</a:t>
             </a:r>
-            <a:endParaRPr lang="en-US" dirty="0" smtClean="0"/>
           </a:p>
           <a:p>
             <a:r>
@@ -9891,16 +9832,6 @@
               </a:rPr>
               <a:t>Calculate Distance(Euclidean)</a:t>
             </a:r>
-            <a:endParaRPr kumimoji="0" lang="en-US" sz="1100" b="0" i="0" u="none" strike="noStrike" cap="none" normalizeH="0" baseline="0" dirty="0" smtClean="0">
-              <a:ln>
-                <a:noFill/>
-              </a:ln>
-              <a:solidFill>
-                <a:schemeClr val="tx1"/>
-              </a:solidFill>
-              <a:effectLst/>
-              <a:latin typeface="Times" panose="02020603050405020304" pitchFamily="18" charset="0"/>
-            </a:endParaRPr>
           </a:p>
         </p:txBody>
       </p:sp>
@@ -10474,16 +10405,6 @@
               </a:rPr>
               <a:t> set</a:t>
             </a:r>
-            <a:endParaRPr kumimoji="0" lang="en-US" sz="1100" b="0" i="0" u="none" strike="noStrike" cap="none" normalizeH="0" baseline="0" dirty="0" smtClean="0">
-              <a:ln>
-                <a:noFill/>
-              </a:ln>
-              <a:solidFill>
-                <a:schemeClr val="tx1"/>
-              </a:solidFill>
-              <a:effectLst/>
-              <a:latin typeface="Times" panose="02020603050405020304" pitchFamily="18" charset="0"/>
-            </a:endParaRPr>
           </a:p>
         </p:txBody>
       </p:sp>
@@ -10819,16 +10740,6 @@
               </a:rPr>
               <a:t>set</a:t>
             </a:r>
-            <a:endParaRPr kumimoji="0" lang="en-US" sz="1100" b="0" i="0" u="none" strike="noStrike" cap="none" normalizeH="0" baseline="0" dirty="0" smtClean="0">
-              <a:ln>
-                <a:noFill/>
-              </a:ln>
-              <a:solidFill>
-                <a:schemeClr val="tx1"/>
-              </a:solidFill>
-              <a:effectLst/>
-              <a:latin typeface="Times" panose="02020603050405020304" pitchFamily="18" charset="0"/>
-            </a:endParaRPr>
           </a:p>
         </p:txBody>
       </p:sp>
@@ -10995,7 +10906,6 @@
               <a:rPr lang="en-US" dirty="0" smtClean="0"/>
               <a:t>)</a:t>
             </a:r>
-            <a:endParaRPr lang="en-US" dirty="0" smtClean="0"/>
           </a:p>
           <a:p>
             <a:r>
@@ -11264,16 +11174,6 @@
               </a:rPr>
               <a:t>Calculate Distance(Euclidean)</a:t>
             </a:r>
-            <a:endParaRPr kumimoji="0" lang="en-US" sz="1100" b="0" i="0" u="none" strike="noStrike" cap="none" normalizeH="0" baseline="0" dirty="0" smtClean="0">
-              <a:ln>
-                <a:noFill/>
-              </a:ln>
-              <a:solidFill>
-                <a:schemeClr val="tx1"/>
-              </a:solidFill>
-              <a:effectLst/>
-              <a:latin typeface="Times" panose="02020603050405020304" pitchFamily="18" charset="0"/>
-            </a:endParaRPr>
           </a:p>
         </p:txBody>
       </p:sp>
@@ -11709,30 +11609,6 @@
           <a:xfrm>
             <a:off x="3791163" y="3356009"/>
             <a:ext cx="962025" cy="200025"/>
-          </a:xfrm>
-          <a:prstGeom prst="rect">
-            <a:avLst/>
-          </a:prstGeom>
-        </p:spPr>
-      </p:pic>
-      <p:pic>
-        <p:nvPicPr>
-          <p:cNvPr id="17" name="图片 16"/>
-          <p:cNvPicPr>
-            <a:picLocks noChangeAspect="1"/>
-          </p:cNvPicPr>
-          <p:nvPr/>
-        </p:nvPicPr>
-        <p:blipFill>
-          <a:blip r:embed="rId10"/>
-          <a:stretch>
-            <a:fillRect/>
-          </a:stretch>
-        </p:blipFill>
-        <p:spPr>
-          <a:xfrm>
-            <a:off x="3203848" y="1959808"/>
-            <a:ext cx="447675" cy="152400"/>
           </a:xfrm>
           <a:prstGeom prst="rect">
             <a:avLst/>
